--- a/CMPS144_Poster.pptx
+++ b/CMPS144_Poster.pptx
@@ -104,6 +104,11 @@
       </a:defRPr>
     </a:lvl9pPr>
   </p:defaultTextStyle>
+  <p:extLst>
+    <p:ext uri="{EFAFB233-063F-42B5-8137-9DF3F51BA10A}">
+      <p15:sldGuideLst xmlns:p15="http://schemas.microsoft.com/office/powerpoint/2012/main"/>
+    </p:ext>
+  </p:extLst>
 </p:presentation>
 </file>
 
@@ -238,7 +243,7 @@
           <a:p>
             <a:fld id="{92EFD6AE-94A0-944A-8BA2-964B91C623F6}" type="datetimeFigureOut">
               <a:rPr lang="en-US" smtClean="0"/>
-              <a:t>3/6/19</a:t>
+              <a:t>3/7/19</a:t>
             </a:fld>
             <a:endParaRPr lang="en-US"/>
           </a:p>
@@ -408,7 +413,7 @@
           <a:p>
             <a:fld id="{92EFD6AE-94A0-944A-8BA2-964B91C623F6}" type="datetimeFigureOut">
               <a:rPr lang="en-US" smtClean="0"/>
-              <a:t>3/6/19</a:t>
+              <a:t>3/7/19</a:t>
             </a:fld>
             <a:endParaRPr lang="en-US"/>
           </a:p>
@@ -588,7 +593,7 @@
           <a:p>
             <a:fld id="{92EFD6AE-94A0-944A-8BA2-964B91C623F6}" type="datetimeFigureOut">
               <a:rPr lang="en-US" smtClean="0"/>
-              <a:t>3/6/19</a:t>
+              <a:t>3/7/19</a:t>
             </a:fld>
             <a:endParaRPr lang="en-US"/>
           </a:p>
@@ -758,7 +763,7 @@
           <a:p>
             <a:fld id="{92EFD6AE-94A0-944A-8BA2-964B91C623F6}" type="datetimeFigureOut">
               <a:rPr lang="en-US" smtClean="0"/>
-              <a:t>3/6/19</a:t>
+              <a:t>3/7/19</a:t>
             </a:fld>
             <a:endParaRPr lang="en-US"/>
           </a:p>
@@ -1002,7 +1007,7 @@
           <a:p>
             <a:fld id="{92EFD6AE-94A0-944A-8BA2-964B91C623F6}" type="datetimeFigureOut">
               <a:rPr lang="en-US" smtClean="0"/>
-              <a:t>3/6/19</a:t>
+              <a:t>3/7/19</a:t>
             </a:fld>
             <a:endParaRPr lang="en-US"/>
           </a:p>
@@ -1234,7 +1239,7 @@
           <a:p>
             <a:fld id="{92EFD6AE-94A0-944A-8BA2-964B91C623F6}" type="datetimeFigureOut">
               <a:rPr lang="en-US" smtClean="0"/>
-              <a:t>3/6/19</a:t>
+              <a:t>3/7/19</a:t>
             </a:fld>
             <a:endParaRPr lang="en-US"/>
           </a:p>
@@ -1601,7 +1606,7 @@
           <a:p>
             <a:fld id="{92EFD6AE-94A0-944A-8BA2-964B91C623F6}" type="datetimeFigureOut">
               <a:rPr lang="en-US" smtClean="0"/>
-              <a:t>3/6/19</a:t>
+              <a:t>3/7/19</a:t>
             </a:fld>
             <a:endParaRPr lang="en-US"/>
           </a:p>
@@ -1719,7 +1724,7 @@
           <a:p>
             <a:fld id="{92EFD6AE-94A0-944A-8BA2-964B91C623F6}" type="datetimeFigureOut">
               <a:rPr lang="en-US" smtClean="0"/>
-              <a:t>3/6/19</a:t>
+              <a:t>3/7/19</a:t>
             </a:fld>
             <a:endParaRPr lang="en-US"/>
           </a:p>
@@ -1814,7 +1819,7 @@
           <a:p>
             <a:fld id="{92EFD6AE-94A0-944A-8BA2-964B91C623F6}" type="datetimeFigureOut">
               <a:rPr lang="en-US" smtClean="0"/>
-              <a:t>3/6/19</a:t>
+              <a:t>3/7/19</a:t>
             </a:fld>
             <a:endParaRPr lang="en-US"/>
           </a:p>
@@ -2091,7 +2096,7 @@
           <a:p>
             <a:fld id="{92EFD6AE-94A0-944A-8BA2-964B91C623F6}" type="datetimeFigureOut">
               <a:rPr lang="en-US" smtClean="0"/>
-              <a:t>3/6/19</a:t>
+              <a:t>3/7/19</a:t>
             </a:fld>
             <a:endParaRPr lang="en-US"/>
           </a:p>
@@ -2348,7 +2353,7 @@
           <a:p>
             <a:fld id="{92EFD6AE-94A0-944A-8BA2-964B91C623F6}" type="datetimeFigureOut">
               <a:rPr lang="en-US" smtClean="0"/>
-              <a:t>3/6/19</a:t>
+              <a:t>3/7/19</a:t>
             </a:fld>
             <a:endParaRPr lang="en-US"/>
           </a:p>
@@ -2561,7 +2566,7 @@
           <a:p>
             <a:fld id="{92EFD6AE-94A0-944A-8BA2-964B91C623F6}" type="datetimeFigureOut">
               <a:rPr lang="en-US" smtClean="0"/>
-              <a:t>3/6/19</a:t>
+              <a:t>3/7/19</a:t>
             </a:fld>
             <a:endParaRPr lang="en-US"/>
           </a:p>
@@ -3451,6 +3456,202 @@
           </a:p>
         </p:txBody>
       </p:sp>
+      <p:sp>
+        <p:nvSpPr>
+          <p:cNvPr id="2" name="TextBox 1">
+            <a:extLst>
+              <a:ext uri="{FF2B5EF4-FFF2-40B4-BE49-F238E27FC236}">
+                <a16:creationId xmlns:a16="http://schemas.microsoft.com/office/drawing/2014/main" id="{D13E6298-F246-C14A-B8C0-24CDA9300508}"/>
+              </a:ext>
+            </a:extLst>
+          </p:cNvPr>
+          <p:cNvSpPr txBox="1"/>
+          <p:nvPr/>
+        </p:nvSpPr>
+        <p:spPr>
+          <a:xfrm>
+            <a:off x="892991" y="7913157"/>
+            <a:ext cx="9096248" cy="2800767"/>
+          </a:xfrm>
+          <a:prstGeom prst="rect">
+            <a:avLst/>
+          </a:prstGeom>
+          <a:noFill/>
+        </p:spPr>
+        <p:txBody>
+          <a:bodyPr wrap="square" rtlCol="0">
+            <a:spAutoFit/>
+          </a:bodyPr>
+          <a:lstStyle/>
+          <a:p>
+            <a:r>
+              <a:rPr lang="en-US" sz="4400" dirty="0"/>
+              <a:t>We are excited about applying machine learning and image processing to help with medical research and cancer diagnosis.</a:t>
+            </a:r>
+          </a:p>
+        </p:txBody>
+      </p:sp>
+      <p:pic>
+        <p:nvPicPr>
+          <p:cNvPr id="6" name="Picture 5">
+            <a:extLst>
+              <a:ext uri="{FF2B5EF4-FFF2-40B4-BE49-F238E27FC236}">
+                <a16:creationId xmlns:a16="http://schemas.microsoft.com/office/drawing/2014/main" id="{7867E32C-A383-3248-AD7F-AA1CFF12CA12}"/>
+              </a:ext>
+            </a:extLst>
+          </p:cNvPr>
+          <p:cNvPicPr>
+            <a:picLocks noChangeAspect="1"/>
+          </p:cNvPicPr>
+          <p:nvPr/>
+        </p:nvPicPr>
+        <p:blipFill>
+          <a:blip r:embed="rId5"/>
+          <a:stretch>
+            <a:fillRect/>
+          </a:stretch>
+        </p:blipFill>
+        <p:spPr>
+          <a:xfrm>
+            <a:off x="12124541" y="8928820"/>
+            <a:ext cx="8758290" cy="9918172"/>
+          </a:xfrm>
+          <a:prstGeom prst="rect">
+            <a:avLst/>
+          </a:prstGeom>
+        </p:spPr>
+      </p:pic>
+      <p:sp>
+        <p:nvSpPr>
+          <p:cNvPr id="7" name="TextBox 6">
+            <a:extLst>
+              <a:ext uri="{FF2B5EF4-FFF2-40B4-BE49-F238E27FC236}">
+                <a16:creationId xmlns:a16="http://schemas.microsoft.com/office/drawing/2014/main" id="{04A6D86E-2989-D849-A1E5-30375DE29589}"/>
+              </a:ext>
+            </a:extLst>
+          </p:cNvPr>
+          <p:cNvSpPr txBox="1"/>
+          <p:nvPr/>
+        </p:nvSpPr>
+        <p:spPr>
+          <a:xfrm>
+            <a:off x="11945799" y="7741915"/>
+            <a:ext cx="8758290" cy="830997"/>
+          </a:xfrm>
+          <a:prstGeom prst="rect">
+            <a:avLst/>
+          </a:prstGeom>
+          <a:noFill/>
+        </p:spPr>
+        <p:txBody>
+          <a:bodyPr wrap="square" rtlCol="0">
+            <a:spAutoFit/>
+          </a:bodyPr>
+          <a:lstStyle/>
+          <a:p>
+            <a:pPr algn="ctr"/>
+            <a:r>
+              <a:rPr lang="en-US" sz="4800" dirty="0"/>
+              <a:t>Data Exploration</a:t>
+            </a:r>
+          </a:p>
+        </p:txBody>
+      </p:sp>
+      <p:pic>
+        <p:nvPicPr>
+          <p:cNvPr id="10" name="Picture 9">
+            <a:extLst>
+              <a:ext uri="{FF2B5EF4-FFF2-40B4-BE49-F238E27FC236}">
+                <a16:creationId xmlns:a16="http://schemas.microsoft.com/office/drawing/2014/main" id="{03E2A887-C0B8-8446-BE0D-F2DB7268D38B}"/>
+              </a:ext>
+            </a:extLst>
+          </p:cNvPr>
+          <p:cNvPicPr>
+            <a:picLocks noChangeAspect="1"/>
+          </p:cNvPicPr>
+          <p:nvPr/>
+        </p:nvPicPr>
+        <p:blipFill>
+          <a:blip r:embed="rId6"/>
+          <a:stretch>
+            <a:fillRect/>
+          </a:stretch>
+        </p:blipFill>
+        <p:spPr>
+          <a:xfrm>
+            <a:off x="22636629" y="8928820"/>
+            <a:ext cx="7305194" cy="5528255"/>
+          </a:xfrm>
+          <a:prstGeom prst="rect">
+            <a:avLst/>
+          </a:prstGeom>
+        </p:spPr>
+      </p:pic>
+      <p:pic>
+        <p:nvPicPr>
+          <p:cNvPr id="11" name="Picture 10">
+            <a:extLst>
+              <a:ext uri="{FF2B5EF4-FFF2-40B4-BE49-F238E27FC236}">
+                <a16:creationId xmlns:a16="http://schemas.microsoft.com/office/drawing/2014/main" id="{649EF9E8-12D5-3C4D-B5C3-F11192B04BA5}"/>
+              </a:ext>
+            </a:extLst>
+          </p:cNvPr>
+          <p:cNvPicPr>
+            <a:picLocks noChangeAspect="1"/>
+          </p:cNvPicPr>
+          <p:nvPr/>
+        </p:nvPicPr>
+        <p:blipFill>
+          <a:blip r:embed="rId7"/>
+          <a:stretch>
+            <a:fillRect/>
+          </a:stretch>
+        </p:blipFill>
+        <p:spPr>
+          <a:xfrm>
+            <a:off x="25197530" y="14924844"/>
+            <a:ext cx="7508526" cy="5528255"/>
+          </a:xfrm>
+          <a:prstGeom prst="rect">
+            <a:avLst/>
+          </a:prstGeom>
+        </p:spPr>
+      </p:pic>
+      <p:sp>
+        <p:nvSpPr>
+          <p:cNvPr id="12" name="TextBox 11">
+            <a:extLst>
+              <a:ext uri="{FF2B5EF4-FFF2-40B4-BE49-F238E27FC236}">
+                <a16:creationId xmlns:a16="http://schemas.microsoft.com/office/drawing/2014/main" id="{27CF34E0-4350-0A4D-8FFC-A98C7541726D}"/>
+              </a:ext>
+            </a:extLst>
+          </p:cNvPr>
+          <p:cNvSpPr txBox="1"/>
+          <p:nvPr/>
+        </p:nvSpPr>
+        <p:spPr>
+          <a:xfrm>
+            <a:off x="29941823" y="9480741"/>
+            <a:ext cx="2259467" cy="2246769"/>
+          </a:xfrm>
+          <a:prstGeom prst="rect">
+            <a:avLst/>
+          </a:prstGeom>
+          <a:noFill/>
+        </p:spPr>
+        <p:txBody>
+          <a:bodyPr wrap="square" rtlCol="0">
+            <a:spAutoFit/>
+          </a:bodyPr>
+          <a:lstStyle/>
+          <a:p>
+            <a:r>
+              <a:rPr lang="en-US" sz="2800" dirty="0"/>
+              <a:t>After 50 epochs, we achieved 75.32% accuracy.</a:t>
+            </a:r>
+          </a:p>
+        </p:txBody>
+      </p:sp>
     </p:spTree>
     <p:extLst>
       <p:ext uri="{BB962C8B-B14F-4D97-AF65-F5344CB8AC3E}">
